--- a/UNIX 期末報告.pptx
+++ b/UNIX 期末報告.pptx
@@ -8,10 +8,17 @@
     <p:sldId id="256" r:id="rId2"/>
     <p:sldId id="257" r:id="rId3"/>
     <p:sldId id="258" r:id="rId4"/>
-    <p:sldId id="259" r:id="rId5"/>
-    <p:sldId id="260" r:id="rId6"/>
-    <p:sldId id="261" r:id="rId7"/>
-    <p:sldId id="262" r:id="rId8"/>
+    <p:sldId id="263" r:id="rId5"/>
+    <p:sldId id="268" r:id="rId6"/>
+    <p:sldId id="267" r:id="rId7"/>
+    <p:sldId id="266" r:id="rId8"/>
+    <p:sldId id="265" r:id="rId9"/>
+    <p:sldId id="264" r:id="rId10"/>
+    <p:sldId id="269" r:id="rId11"/>
+    <p:sldId id="259" r:id="rId12"/>
+    <p:sldId id="260" r:id="rId13"/>
+    <p:sldId id="261" r:id="rId14"/>
+    <p:sldId id="262" r:id="rId15"/>
   </p:sldIdLst>
   <p:sldSz cx="9144000" cy="6858000" type="screen4x3"/>
   <p:notesSz cx="6858000" cy="9144000"/>
@@ -294,6 +301,7 @@
           <a:p>
             <a:fld id="{C5CC0401-63C5-4F1F-A531-9BDA845F9C77}" type="datetimeFigureOut">
               <a:rPr lang="zh-TW" altLang="en-US" smtClean="0"/>
+              <a:pPr/>
               <a:t>2019/6/9</a:t>
             </a:fld>
             <a:endParaRPr lang="zh-TW" altLang="en-US"/>
@@ -336,6 +344,7 @@
           <a:p>
             <a:fld id="{0907379E-FE66-4A75-8749-F040FDD52EA2}" type="slidenum">
               <a:rPr lang="zh-TW" altLang="en-US" smtClean="0"/>
+              <a:pPr/>
               <a:t>‹#›</a:t>
             </a:fld>
             <a:endParaRPr lang="zh-TW" altLang="en-US"/>
@@ -459,6 +468,7 @@
           <a:p>
             <a:fld id="{C5CC0401-63C5-4F1F-A531-9BDA845F9C77}" type="datetimeFigureOut">
               <a:rPr lang="zh-TW" altLang="en-US" smtClean="0"/>
+              <a:pPr/>
               <a:t>2019/6/9</a:t>
             </a:fld>
             <a:endParaRPr lang="zh-TW" altLang="en-US"/>
@@ -501,6 +511,7 @@
           <a:p>
             <a:fld id="{0907379E-FE66-4A75-8749-F040FDD52EA2}" type="slidenum">
               <a:rPr lang="zh-TW" altLang="en-US" smtClean="0"/>
+              <a:pPr/>
               <a:t>‹#›</a:t>
             </a:fld>
             <a:endParaRPr lang="zh-TW" altLang="en-US"/>
@@ -634,6 +645,7 @@
           <a:p>
             <a:fld id="{C5CC0401-63C5-4F1F-A531-9BDA845F9C77}" type="datetimeFigureOut">
               <a:rPr lang="zh-TW" altLang="en-US" smtClean="0"/>
+              <a:pPr/>
               <a:t>2019/6/9</a:t>
             </a:fld>
             <a:endParaRPr lang="zh-TW" altLang="en-US"/>
@@ -676,6 +688,7 @@
           <a:p>
             <a:fld id="{0907379E-FE66-4A75-8749-F040FDD52EA2}" type="slidenum">
               <a:rPr lang="zh-TW" altLang="en-US" smtClean="0"/>
+              <a:pPr/>
               <a:t>‹#›</a:t>
             </a:fld>
             <a:endParaRPr lang="zh-TW" altLang="en-US"/>
@@ -799,6 +812,7 @@
           <a:p>
             <a:fld id="{C5CC0401-63C5-4F1F-A531-9BDA845F9C77}" type="datetimeFigureOut">
               <a:rPr lang="zh-TW" altLang="en-US" smtClean="0"/>
+              <a:pPr/>
               <a:t>2019/6/9</a:t>
             </a:fld>
             <a:endParaRPr lang="zh-TW" altLang="en-US"/>
@@ -841,6 +855,7 @@
           <a:p>
             <a:fld id="{0907379E-FE66-4A75-8749-F040FDD52EA2}" type="slidenum">
               <a:rPr lang="zh-TW" altLang="en-US" smtClean="0"/>
+              <a:pPr/>
               <a:t>‹#›</a:t>
             </a:fld>
             <a:endParaRPr lang="zh-TW" altLang="en-US"/>
@@ -1040,6 +1055,7 @@
           <a:p>
             <a:fld id="{C5CC0401-63C5-4F1F-A531-9BDA845F9C77}" type="datetimeFigureOut">
               <a:rPr lang="zh-TW" altLang="en-US" smtClean="0"/>
+              <a:pPr/>
               <a:t>2019/6/9</a:t>
             </a:fld>
             <a:endParaRPr lang="zh-TW" altLang="en-US"/>
@@ -1082,6 +1098,7 @@
           <a:p>
             <a:fld id="{0907379E-FE66-4A75-8749-F040FDD52EA2}" type="slidenum">
               <a:rPr lang="zh-TW" altLang="en-US" smtClean="0"/>
+              <a:pPr/>
               <a:t>‹#›</a:t>
             </a:fld>
             <a:endParaRPr lang="zh-TW" altLang="en-US"/>
@@ -1323,6 +1340,7 @@
           <a:p>
             <a:fld id="{C5CC0401-63C5-4F1F-A531-9BDA845F9C77}" type="datetimeFigureOut">
               <a:rPr lang="zh-TW" altLang="en-US" smtClean="0"/>
+              <a:pPr/>
               <a:t>2019/6/9</a:t>
             </a:fld>
             <a:endParaRPr lang="zh-TW" altLang="en-US"/>
@@ -1365,6 +1383,7 @@
           <a:p>
             <a:fld id="{0907379E-FE66-4A75-8749-F040FDD52EA2}" type="slidenum">
               <a:rPr lang="zh-TW" altLang="en-US" smtClean="0"/>
+              <a:pPr/>
               <a:t>‹#›</a:t>
             </a:fld>
             <a:endParaRPr lang="zh-TW" altLang="en-US"/>
@@ -1740,6 +1759,7 @@
           <a:p>
             <a:fld id="{C5CC0401-63C5-4F1F-A531-9BDA845F9C77}" type="datetimeFigureOut">
               <a:rPr lang="zh-TW" altLang="en-US" smtClean="0"/>
+              <a:pPr/>
               <a:t>2019/6/9</a:t>
             </a:fld>
             <a:endParaRPr lang="zh-TW" altLang="en-US"/>
@@ -1782,6 +1802,7 @@
           <a:p>
             <a:fld id="{0907379E-FE66-4A75-8749-F040FDD52EA2}" type="slidenum">
               <a:rPr lang="zh-TW" altLang="en-US" smtClean="0"/>
+              <a:pPr/>
               <a:t>‹#›</a:t>
             </a:fld>
             <a:endParaRPr lang="zh-TW" altLang="en-US"/>
@@ -1853,6 +1874,7 @@
           <a:p>
             <a:fld id="{C5CC0401-63C5-4F1F-A531-9BDA845F9C77}" type="datetimeFigureOut">
               <a:rPr lang="zh-TW" altLang="en-US" smtClean="0"/>
+              <a:pPr/>
               <a:t>2019/6/9</a:t>
             </a:fld>
             <a:endParaRPr lang="zh-TW" altLang="en-US"/>
@@ -1895,6 +1917,7 @@
           <a:p>
             <a:fld id="{0907379E-FE66-4A75-8749-F040FDD52EA2}" type="slidenum">
               <a:rPr lang="zh-TW" altLang="en-US" smtClean="0"/>
+              <a:pPr/>
               <a:t>‹#›</a:t>
             </a:fld>
             <a:endParaRPr lang="zh-TW" altLang="en-US"/>
@@ -1943,6 +1966,7 @@
           <a:p>
             <a:fld id="{C5CC0401-63C5-4F1F-A531-9BDA845F9C77}" type="datetimeFigureOut">
               <a:rPr lang="zh-TW" altLang="en-US" smtClean="0"/>
+              <a:pPr/>
               <a:t>2019/6/9</a:t>
             </a:fld>
             <a:endParaRPr lang="zh-TW" altLang="en-US"/>
@@ -1985,6 +2009,7 @@
           <a:p>
             <a:fld id="{0907379E-FE66-4A75-8749-F040FDD52EA2}" type="slidenum">
               <a:rPr lang="zh-TW" altLang="en-US" smtClean="0"/>
+              <a:pPr/>
               <a:t>‹#›</a:t>
             </a:fld>
             <a:endParaRPr lang="zh-TW" altLang="en-US"/>
@@ -2215,6 +2240,7 @@
           <a:p>
             <a:fld id="{C5CC0401-63C5-4F1F-A531-9BDA845F9C77}" type="datetimeFigureOut">
               <a:rPr lang="zh-TW" altLang="en-US" smtClean="0"/>
+              <a:pPr/>
               <a:t>2019/6/9</a:t>
             </a:fld>
             <a:endParaRPr lang="zh-TW" altLang="en-US"/>
@@ -2257,6 +2283,7 @@
           <a:p>
             <a:fld id="{0907379E-FE66-4A75-8749-F040FDD52EA2}" type="slidenum">
               <a:rPr lang="zh-TW" altLang="en-US" smtClean="0"/>
+              <a:pPr/>
               <a:t>‹#›</a:t>
             </a:fld>
             <a:endParaRPr lang="zh-TW" altLang="en-US"/>
@@ -2463,6 +2490,7 @@
           <a:p>
             <a:fld id="{C5CC0401-63C5-4F1F-A531-9BDA845F9C77}" type="datetimeFigureOut">
               <a:rPr lang="zh-TW" altLang="en-US" smtClean="0"/>
+              <a:pPr/>
               <a:t>2019/6/9</a:t>
             </a:fld>
             <a:endParaRPr lang="zh-TW" altLang="en-US"/>
@@ -2505,6 +2533,7 @@
           <a:p>
             <a:fld id="{0907379E-FE66-4A75-8749-F040FDD52EA2}" type="slidenum">
               <a:rPr lang="zh-TW" altLang="en-US" smtClean="0"/>
+              <a:pPr/>
               <a:t>‹#›</a:t>
             </a:fld>
             <a:endParaRPr lang="zh-TW" altLang="en-US"/>
@@ -2671,6 +2700,7 @@
           <a:p>
             <a:fld id="{C5CC0401-63C5-4F1F-A531-9BDA845F9C77}" type="datetimeFigureOut">
               <a:rPr lang="zh-TW" altLang="en-US" smtClean="0"/>
+              <a:pPr/>
               <a:t>2019/6/9</a:t>
             </a:fld>
             <a:endParaRPr lang="zh-TW" altLang="en-US"/>
@@ -2749,6 +2779,7 @@
           <a:p>
             <a:fld id="{0907379E-FE66-4A75-8749-F040FDD52EA2}" type="slidenum">
               <a:rPr lang="zh-TW" altLang="en-US" smtClean="0"/>
+              <a:pPr/>
               <a:t>‹#›</a:t>
             </a:fld>
             <a:endParaRPr lang="zh-TW" altLang="en-US"/>
@@ -3126,6 +3157,373 @@
 </p:sld>
 </file>
 
+<file path=ppt/slides/slide10.xml><?xml version="1.0" encoding="utf-8"?>
+<p:sld xmlns:a="http://schemas.openxmlformats.org/drawingml/2006/main" xmlns:r="http://schemas.openxmlformats.org/officeDocument/2006/relationships" xmlns:p="http://schemas.openxmlformats.org/presentationml/2006/main">
+  <p:cSld>
+    <p:spTree>
+      <p:nvGrpSpPr>
+        <p:cNvPr id="1" name=""/>
+        <p:cNvGrpSpPr/>
+        <p:nvPr/>
+      </p:nvGrpSpPr>
+      <p:grpSpPr>
+        <a:xfrm>
+          <a:off x="0" y="0"/>
+          <a:ext cx="0" cy="0"/>
+          <a:chOff x="0" y="0"/>
+          <a:chExt cx="0" cy="0"/>
+        </a:xfrm>
+      </p:grpSpPr>
+      <p:sp>
+        <p:nvSpPr>
+          <p:cNvPr id="2" name="標題 1"/>
+          <p:cNvSpPr>
+            <a:spLocks noGrp="1"/>
+          </p:cNvSpPr>
+          <p:nvPr>
+            <p:ph type="title"/>
+          </p:nvPr>
+        </p:nvSpPr>
+        <p:spPr/>
+        <p:txBody>
+          <a:bodyPr/>
+          <a:lstStyle/>
+          <a:p>
+            <a:r>
+              <a:rPr lang="en-US" altLang="zh-TW" dirty="0" smtClean="0"/>
+              <a:t>CODE</a:t>
+            </a:r>
+            <a:r>
+              <a:rPr lang="zh-TW" altLang="en-US" dirty="0" smtClean="0"/>
+              <a:t>範例</a:t>
+            </a:r>
+            <a:endParaRPr lang="zh-TW" altLang="en-US" dirty="0"/>
+          </a:p>
+        </p:txBody>
+      </p:sp>
+      <p:pic>
+        <p:nvPicPr>
+          <p:cNvPr id="4" name="內容版面配置區 3" descr="13.jpg"/>
+          <p:cNvPicPr>
+            <a:picLocks noGrp="1" noChangeAspect="1"/>
+          </p:cNvPicPr>
+          <p:nvPr>
+            <p:ph idx="1"/>
+          </p:nvPr>
+        </p:nvPicPr>
+        <p:blipFill>
+          <a:blip r:embed="rId2" cstate="print"/>
+          <a:stretch>
+            <a:fillRect/>
+          </a:stretch>
+        </p:blipFill>
+        <p:spPr>
+          <a:xfrm>
+            <a:off x="1451610" y="2003901"/>
+            <a:ext cx="6240780" cy="3718560"/>
+          </a:xfrm>
+        </p:spPr>
+      </p:pic>
+    </p:spTree>
+  </p:cSld>
+  <p:clrMapOvr>
+    <a:masterClrMapping/>
+  </p:clrMapOvr>
+</p:sld>
+</file>
+
+<file path=ppt/slides/slide11.xml><?xml version="1.0" encoding="utf-8"?>
+<p:sld xmlns:a="http://schemas.openxmlformats.org/drawingml/2006/main" xmlns:r="http://schemas.openxmlformats.org/officeDocument/2006/relationships" xmlns:p="http://schemas.openxmlformats.org/presentationml/2006/main">
+  <p:cSld>
+    <p:spTree>
+      <p:nvGrpSpPr>
+        <p:cNvPr id="1" name=""/>
+        <p:cNvGrpSpPr/>
+        <p:nvPr/>
+      </p:nvGrpSpPr>
+      <p:grpSpPr>
+        <a:xfrm>
+          <a:off x="0" y="0"/>
+          <a:ext cx="0" cy="0"/>
+          <a:chOff x="0" y="0"/>
+          <a:chExt cx="0" cy="0"/>
+        </a:xfrm>
+      </p:grpSpPr>
+      <p:sp>
+        <p:nvSpPr>
+          <p:cNvPr id="2" name="標題 1"/>
+          <p:cNvSpPr>
+            <a:spLocks noGrp="1"/>
+          </p:cNvSpPr>
+          <p:nvPr>
+            <p:ph type="title"/>
+          </p:nvPr>
+        </p:nvSpPr>
+        <p:spPr/>
+        <p:txBody>
+          <a:bodyPr/>
+          <a:lstStyle/>
+          <a:p>
+            <a:r>
+              <a:rPr lang="en-US" altLang="zh-TW" dirty="0" err="1" smtClean="0"/>
+              <a:t>OUTPUT:Sample</a:t>
+            </a:r>
+            <a:endParaRPr lang="zh-TW" altLang="en-US" dirty="0"/>
+          </a:p>
+        </p:txBody>
+      </p:sp>
+      <p:pic>
+        <p:nvPicPr>
+          <p:cNvPr id="4" name="內容版面配置區 3" descr="3.jpg"/>
+          <p:cNvPicPr>
+            <a:picLocks noGrp="1" noChangeAspect="1"/>
+          </p:cNvPicPr>
+          <p:nvPr>
+            <p:ph idx="1"/>
+          </p:nvPr>
+        </p:nvPicPr>
+        <p:blipFill>
+          <a:blip r:embed="rId2" cstate="print"/>
+          <a:stretch>
+            <a:fillRect/>
+          </a:stretch>
+        </p:blipFill>
+        <p:spPr>
+          <a:xfrm>
+            <a:off x="1764030" y="2316321"/>
+            <a:ext cx="5615940" cy="3093720"/>
+          </a:xfrm>
+        </p:spPr>
+      </p:pic>
+    </p:spTree>
+  </p:cSld>
+  <p:clrMapOvr>
+    <a:masterClrMapping/>
+  </p:clrMapOvr>
+</p:sld>
+</file>
+
+<file path=ppt/slides/slide12.xml><?xml version="1.0" encoding="utf-8"?>
+<p:sld xmlns:a="http://schemas.openxmlformats.org/drawingml/2006/main" xmlns:r="http://schemas.openxmlformats.org/officeDocument/2006/relationships" xmlns:p="http://schemas.openxmlformats.org/presentationml/2006/main">
+  <p:cSld>
+    <p:spTree>
+      <p:nvGrpSpPr>
+        <p:cNvPr id="1" name=""/>
+        <p:cNvGrpSpPr/>
+        <p:nvPr/>
+      </p:nvGrpSpPr>
+      <p:grpSpPr>
+        <a:xfrm>
+          <a:off x="0" y="0"/>
+          <a:ext cx="0" cy="0"/>
+          <a:chOff x="0" y="0"/>
+          <a:chExt cx="0" cy="0"/>
+        </a:xfrm>
+      </p:grpSpPr>
+      <p:sp>
+        <p:nvSpPr>
+          <p:cNvPr id="2" name="標題 1"/>
+          <p:cNvSpPr>
+            <a:spLocks noGrp="1"/>
+          </p:cNvSpPr>
+          <p:nvPr>
+            <p:ph type="title"/>
+          </p:nvPr>
+        </p:nvSpPr>
+        <p:spPr/>
+        <p:txBody>
+          <a:bodyPr/>
+          <a:lstStyle/>
+          <a:p>
+            <a:r>
+              <a:rPr lang="en-US" altLang="zh-TW" dirty="0" smtClean="0"/>
+              <a:t>OUTPUT:</a:t>
+            </a:r>
+            <a:r>
+              <a:rPr lang="zh-TW" altLang="en-US" dirty="0" smtClean="0"/>
+              <a:t>抓到</a:t>
+            </a:r>
+            <a:r>
+              <a:rPr lang="en-US" altLang="zh-TW" dirty="0" smtClean="0"/>
+              <a:t>!</a:t>
+            </a:r>
+            <a:endParaRPr lang="zh-TW" altLang="en-US" dirty="0"/>
+          </a:p>
+        </p:txBody>
+      </p:sp>
+      <p:pic>
+        <p:nvPicPr>
+          <p:cNvPr id="4" name="內容版面配置區 3" descr="4.jpg"/>
+          <p:cNvPicPr>
+            <a:picLocks noGrp="1" noChangeAspect="1"/>
+          </p:cNvPicPr>
+          <p:nvPr>
+            <p:ph idx="1"/>
+          </p:nvPr>
+        </p:nvPicPr>
+        <p:blipFill>
+          <a:blip r:embed="rId2" cstate="print"/>
+          <a:stretch>
+            <a:fillRect/>
+          </a:stretch>
+        </p:blipFill>
+        <p:spPr>
+          <a:xfrm>
+            <a:off x="1718310" y="2682081"/>
+            <a:ext cx="5707380" cy="2362200"/>
+          </a:xfrm>
+        </p:spPr>
+      </p:pic>
+    </p:spTree>
+  </p:cSld>
+  <p:clrMapOvr>
+    <a:masterClrMapping/>
+  </p:clrMapOvr>
+</p:sld>
+</file>
+
+<file path=ppt/slides/slide13.xml><?xml version="1.0" encoding="utf-8"?>
+<p:sld xmlns:a="http://schemas.openxmlformats.org/drawingml/2006/main" xmlns:r="http://schemas.openxmlformats.org/officeDocument/2006/relationships" xmlns:p="http://schemas.openxmlformats.org/presentationml/2006/main">
+  <p:cSld>
+    <p:spTree>
+      <p:nvGrpSpPr>
+        <p:cNvPr id="1" name=""/>
+        <p:cNvGrpSpPr/>
+        <p:nvPr/>
+      </p:nvGrpSpPr>
+      <p:grpSpPr>
+        <a:xfrm>
+          <a:off x="0" y="0"/>
+          <a:ext cx="0" cy="0"/>
+          <a:chOff x="0" y="0"/>
+          <a:chExt cx="0" cy="0"/>
+        </a:xfrm>
+      </p:grpSpPr>
+      <p:sp>
+        <p:nvSpPr>
+          <p:cNvPr id="2" name="標題 1"/>
+          <p:cNvSpPr>
+            <a:spLocks noGrp="1"/>
+          </p:cNvSpPr>
+          <p:nvPr>
+            <p:ph type="title"/>
+          </p:nvPr>
+        </p:nvSpPr>
+        <p:spPr/>
+        <p:txBody>
+          <a:bodyPr/>
+          <a:lstStyle/>
+          <a:p>
+            <a:r>
+              <a:rPr lang="en-US" altLang="zh-TW" dirty="0" smtClean="0"/>
+              <a:t>OUTPUT</a:t>
+            </a:r>
+            <a:endParaRPr lang="zh-TW" altLang="en-US" dirty="0"/>
+          </a:p>
+        </p:txBody>
+      </p:sp>
+      <p:pic>
+        <p:nvPicPr>
+          <p:cNvPr id="4" name="內容版面配置區 3" descr="5.jpg"/>
+          <p:cNvPicPr>
+            <a:picLocks noGrp="1" noChangeAspect="1"/>
+          </p:cNvPicPr>
+          <p:nvPr>
+            <p:ph idx="1"/>
+          </p:nvPr>
+        </p:nvPicPr>
+        <p:blipFill>
+          <a:blip r:embed="rId2" cstate="print"/>
+          <a:stretch>
+            <a:fillRect/>
+          </a:stretch>
+        </p:blipFill>
+        <p:spPr>
+          <a:xfrm>
+            <a:off x="1828800" y="2853531"/>
+            <a:ext cx="5486400" cy="2019300"/>
+          </a:xfrm>
+        </p:spPr>
+      </p:pic>
+    </p:spTree>
+  </p:cSld>
+  <p:clrMapOvr>
+    <a:masterClrMapping/>
+  </p:clrMapOvr>
+</p:sld>
+</file>
+
+<file path=ppt/slides/slide14.xml><?xml version="1.0" encoding="utf-8"?>
+<p:sld xmlns:a="http://schemas.openxmlformats.org/drawingml/2006/main" xmlns:r="http://schemas.openxmlformats.org/officeDocument/2006/relationships" xmlns:p="http://schemas.openxmlformats.org/presentationml/2006/main">
+  <p:cSld>
+    <p:spTree>
+      <p:nvGrpSpPr>
+        <p:cNvPr id="1" name=""/>
+        <p:cNvGrpSpPr/>
+        <p:nvPr/>
+      </p:nvGrpSpPr>
+      <p:grpSpPr>
+        <a:xfrm>
+          <a:off x="0" y="0"/>
+          <a:ext cx="0" cy="0"/>
+          <a:chOff x="0" y="0"/>
+          <a:chExt cx="0" cy="0"/>
+        </a:xfrm>
+      </p:grpSpPr>
+      <p:sp>
+        <p:nvSpPr>
+          <p:cNvPr id="2" name="標題 1"/>
+          <p:cNvSpPr>
+            <a:spLocks noGrp="1"/>
+          </p:cNvSpPr>
+          <p:nvPr>
+            <p:ph type="title"/>
+          </p:nvPr>
+        </p:nvSpPr>
+        <p:spPr/>
+        <p:txBody>
+          <a:bodyPr/>
+          <a:lstStyle/>
+          <a:p>
+            <a:r>
+              <a:rPr lang="en-US" altLang="zh-TW" dirty="0" smtClean="0"/>
+              <a:t>OUTPUT</a:t>
+            </a:r>
+            <a:endParaRPr lang="zh-TW" altLang="en-US" dirty="0"/>
+          </a:p>
+        </p:txBody>
+      </p:sp>
+      <p:pic>
+        <p:nvPicPr>
+          <p:cNvPr id="6" name="內容版面配置區 5" descr="6.jpg"/>
+          <p:cNvPicPr>
+            <a:picLocks noGrp="1" noChangeAspect="1"/>
+          </p:cNvPicPr>
+          <p:nvPr>
+            <p:ph idx="1"/>
+          </p:nvPr>
+        </p:nvPicPr>
+        <p:blipFill>
+          <a:blip r:embed="rId2" cstate="print"/>
+          <a:stretch>
+            <a:fillRect/>
+          </a:stretch>
+        </p:blipFill>
+        <p:spPr>
+          <a:xfrm>
+            <a:off x="2575560" y="2819241"/>
+            <a:ext cx="3992880" cy="2087880"/>
+          </a:xfrm>
+        </p:spPr>
+      </p:pic>
+    </p:spTree>
+  </p:cSld>
+  <p:clrMapOvr>
+    <a:masterClrMapping/>
+  </p:clrMapOvr>
+</p:sld>
+</file>
+
 <file path=ppt/slides/slide2.xml><?xml version="1.0" encoding="utf-8"?>
 <p:sld xmlns:a="http://schemas.openxmlformats.org/drawingml/2006/main" xmlns:r="http://schemas.openxmlformats.org/officeDocument/2006/relationships" xmlns:p="http://schemas.openxmlformats.org/presentationml/2006/main">
   <p:cSld>
@@ -3325,8 +3723,12 @@
           <a:lstStyle/>
           <a:p>
             <a:r>
-              <a:rPr lang="en-US" altLang="zh-TW" dirty="0" err="1" smtClean="0"/>
-              <a:t>OUTPUT:Sample</a:t>
+              <a:rPr lang="en-US" altLang="zh-TW" dirty="0" smtClean="0"/>
+              <a:t>CODE</a:t>
+            </a:r>
+            <a:r>
+              <a:rPr lang="zh-TW" altLang="en-US" dirty="0" smtClean="0"/>
+              <a:t>範例</a:t>
             </a:r>
             <a:endParaRPr lang="zh-TW" altLang="en-US" dirty="0"/>
           </a:p>
@@ -3334,7 +3736,7 @@
       </p:sp>
       <p:pic>
         <p:nvPicPr>
-          <p:cNvPr id="4" name="內容版面配置區 3" descr="3.jpg"/>
+          <p:cNvPr id="4" name="內容版面配置區 3" descr="7.jpg"/>
           <p:cNvPicPr>
             <a:picLocks noGrp="1" noChangeAspect="1"/>
           </p:cNvPicPr>
@@ -3350,8 +3752,8 @@
         </p:blipFill>
         <p:spPr>
           <a:xfrm>
-            <a:off x="1764030" y="2316321"/>
-            <a:ext cx="5615940" cy="3093720"/>
+            <a:off x="637605" y="1600200"/>
+            <a:ext cx="7868790" cy="4525963"/>
           </a:xfrm>
         </p:spPr>
       </p:pic>
@@ -3397,15 +3799,11 @@
           <a:p>
             <a:r>
               <a:rPr lang="en-US" altLang="zh-TW" dirty="0" smtClean="0"/>
-              <a:t>OUTPUT:</a:t>
+              <a:t>CODE</a:t>
             </a:r>
             <a:r>
               <a:rPr lang="zh-TW" altLang="en-US" dirty="0" smtClean="0"/>
-              <a:t>抓到</a:t>
-            </a:r>
-            <a:r>
-              <a:rPr lang="en-US" altLang="zh-TW" dirty="0" smtClean="0"/>
-              <a:t>!</a:t>
+              <a:t>範例</a:t>
             </a:r>
             <a:endParaRPr lang="zh-TW" altLang="en-US" dirty="0"/>
           </a:p>
@@ -3413,7 +3811,7 @@
       </p:sp>
       <p:pic>
         <p:nvPicPr>
-          <p:cNvPr id="4" name="內容版面配置區 3" descr="4.jpg"/>
+          <p:cNvPr id="4" name="內容版面配置區 3" descr="8.jpg"/>
           <p:cNvPicPr>
             <a:picLocks noGrp="1" noChangeAspect="1"/>
           </p:cNvPicPr>
@@ -3429,8 +3827,8 @@
         </p:blipFill>
         <p:spPr>
           <a:xfrm>
-            <a:off x="1718310" y="2682081"/>
-            <a:ext cx="5707380" cy="2362200"/>
+            <a:off x="1605736" y="1600200"/>
+            <a:ext cx="5932528" cy="4525963"/>
           </a:xfrm>
         </p:spPr>
       </p:pic>
@@ -3476,7 +3874,11 @@
           <a:p>
             <a:r>
               <a:rPr lang="en-US" altLang="zh-TW" dirty="0" smtClean="0"/>
-              <a:t>OUTPUT</a:t>
+              <a:t>CODE</a:t>
+            </a:r>
+            <a:r>
+              <a:rPr lang="zh-TW" altLang="en-US" dirty="0" smtClean="0"/>
+              <a:t>範例</a:t>
             </a:r>
             <a:endParaRPr lang="zh-TW" altLang="en-US" dirty="0"/>
           </a:p>
@@ -3484,7 +3886,7 @@
       </p:sp>
       <p:pic>
         <p:nvPicPr>
-          <p:cNvPr id="4" name="內容版面配置區 3" descr="5.jpg"/>
+          <p:cNvPr id="4" name="內容版面配置區 3" descr="9.jpg"/>
           <p:cNvPicPr>
             <a:picLocks noGrp="1" noChangeAspect="1"/>
           </p:cNvPicPr>
@@ -3500,8 +3902,8 @@
         </p:blipFill>
         <p:spPr>
           <a:xfrm>
-            <a:off x="1828800" y="2853531"/>
-            <a:ext cx="5486400" cy="2019300"/>
+            <a:off x="1151406" y="1600200"/>
+            <a:ext cx="6841188" cy="4525963"/>
           </a:xfrm>
         </p:spPr>
       </p:pic>
@@ -3547,7 +3949,11 @@
           <a:p>
             <a:r>
               <a:rPr lang="en-US" altLang="zh-TW" dirty="0" smtClean="0"/>
-              <a:t>OUTPUT</a:t>
+              <a:t>CODE</a:t>
+            </a:r>
+            <a:r>
+              <a:rPr lang="zh-TW" altLang="en-US" dirty="0" smtClean="0"/>
+              <a:t>範例</a:t>
             </a:r>
             <a:endParaRPr lang="zh-TW" altLang="en-US" dirty="0"/>
           </a:p>
@@ -3555,7 +3961,7 @@
       </p:sp>
       <p:pic>
         <p:nvPicPr>
-          <p:cNvPr id="6" name="內容版面配置區 5" descr="6.jpg"/>
+          <p:cNvPr id="4" name="內容版面配置區 3" descr="10.jpg"/>
           <p:cNvPicPr>
             <a:picLocks noGrp="1" noChangeAspect="1"/>
           </p:cNvPicPr>
@@ -3571,8 +3977,158 @@
         </p:blipFill>
         <p:spPr>
           <a:xfrm>
-            <a:off x="2575560" y="2819241"/>
-            <a:ext cx="3992880" cy="2087880"/>
+            <a:off x="1628146" y="1600200"/>
+            <a:ext cx="5887707" cy="4525963"/>
+          </a:xfrm>
+        </p:spPr>
+      </p:pic>
+    </p:spTree>
+  </p:cSld>
+  <p:clrMapOvr>
+    <a:masterClrMapping/>
+  </p:clrMapOvr>
+</p:sld>
+</file>
+
+<file path=ppt/slides/slide8.xml><?xml version="1.0" encoding="utf-8"?>
+<p:sld xmlns:a="http://schemas.openxmlformats.org/drawingml/2006/main" xmlns:r="http://schemas.openxmlformats.org/officeDocument/2006/relationships" xmlns:p="http://schemas.openxmlformats.org/presentationml/2006/main">
+  <p:cSld>
+    <p:spTree>
+      <p:nvGrpSpPr>
+        <p:cNvPr id="1" name=""/>
+        <p:cNvGrpSpPr/>
+        <p:nvPr/>
+      </p:nvGrpSpPr>
+      <p:grpSpPr>
+        <a:xfrm>
+          <a:off x="0" y="0"/>
+          <a:ext cx="0" cy="0"/>
+          <a:chOff x="0" y="0"/>
+          <a:chExt cx="0" cy="0"/>
+        </a:xfrm>
+      </p:grpSpPr>
+      <p:sp>
+        <p:nvSpPr>
+          <p:cNvPr id="2" name="標題 1"/>
+          <p:cNvSpPr>
+            <a:spLocks noGrp="1"/>
+          </p:cNvSpPr>
+          <p:nvPr>
+            <p:ph type="title"/>
+          </p:nvPr>
+        </p:nvSpPr>
+        <p:spPr/>
+        <p:txBody>
+          <a:bodyPr/>
+          <a:lstStyle/>
+          <a:p>
+            <a:r>
+              <a:rPr lang="en-US" altLang="zh-TW" dirty="0" smtClean="0"/>
+              <a:t>CODE</a:t>
+            </a:r>
+            <a:r>
+              <a:rPr lang="zh-TW" altLang="en-US" dirty="0" smtClean="0"/>
+              <a:t>範例</a:t>
+            </a:r>
+            <a:endParaRPr lang="zh-TW" altLang="en-US" dirty="0"/>
+          </a:p>
+        </p:txBody>
+      </p:sp>
+      <p:pic>
+        <p:nvPicPr>
+          <p:cNvPr id="4" name="內容版面配置區 3" descr="11.jpg"/>
+          <p:cNvPicPr>
+            <a:picLocks noGrp="1" noChangeAspect="1"/>
+          </p:cNvPicPr>
+          <p:nvPr>
+            <p:ph idx="1"/>
+          </p:nvPr>
+        </p:nvPicPr>
+        <p:blipFill>
+          <a:blip r:embed="rId2" cstate="print"/>
+          <a:stretch>
+            <a:fillRect/>
+          </a:stretch>
+        </p:blipFill>
+        <p:spPr>
+          <a:xfrm>
+            <a:off x="860274" y="1600200"/>
+            <a:ext cx="7423451" cy="4525963"/>
+          </a:xfrm>
+        </p:spPr>
+      </p:pic>
+    </p:spTree>
+  </p:cSld>
+  <p:clrMapOvr>
+    <a:masterClrMapping/>
+  </p:clrMapOvr>
+</p:sld>
+</file>
+
+<file path=ppt/slides/slide9.xml><?xml version="1.0" encoding="utf-8"?>
+<p:sld xmlns:a="http://schemas.openxmlformats.org/drawingml/2006/main" xmlns:r="http://schemas.openxmlformats.org/officeDocument/2006/relationships" xmlns:p="http://schemas.openxmlformats.org/presentationml/2006/main">
+  <p:cSld>
+    <p:spTree>
+      <p:nvGrpSpPr>
+        <p:cNvPr id="1" name=""/>
+        <p:cNvGrpSpPr/>
+        <p:nvPr/>
+      </p:nvGrpSpPr>
+      <p:grpSpPr>
+        <a:xfrm>
+          <a:off x="0" y="0"/>
+          <a:ext cx="0" cy="0"/>
+          <a:chOff x="0" y="0"/>
+          <a:chExt cx="0" cy="0"/>
+        </a:xfrm>
+      </p:grpSpPr>
+      <p:sp>
+        <p:nvSpPr>
+          <p:cNvPr id="2" name="標題 1"/>
+          <p:cNvSpPr>
+            <a:spLocks noGrp="1"/>
+          </p:cNvSpPr>
+          <p:nvPr>
+            <p:ph type="title"/>
+          </p:nvPr>
+        </p:nvSpPr>
+        <p:spPr/>
+        <p:txBody>
+          <a:bodyPr/>
+          <a:lstStyle/>
+          <a:p>
+            <a:r>
+              <a:rPr lang="en-US" altLang="zh-TW" dirty="0" smtClean="0"/>
+              <a:t>CODE</a:t>
+            </a:r>
+            <a:r>
+              <a:rPr lang="zh-TW" altLang="en-US" dirty="0" smtClean="0"/>
+              <a:t>範例</a:t>
+            </a:r>
+            <a:endParaRPr lang="zh-TW" altLang="en-US" dirty="0"/>
+          </a:p>
+        </p:txBody>
+      </p:sp>
+      <p:pic>
+        <p:nvPicPr>
+          <p:cNvPr id="4" name="內容版面配置區 3" descr="12.jpg"/>
+          <p:cNvPicPr>
+            <a:picLocks noGrp="1" noChangeAspect="1"/>
+          </p:cNvPicPr>
+          <p:nvPr>
+            <p:ph idx="1"/>
+          </p:nvPr>
+        </p:nvPicPr>
+        <p:blipFill>
+          <a:blip r:embed="rId2" cstate="print"/>
+          <a:stretch>
+            <a:fillRect/>
+          </a:stretch>
+        </p:blipFill>
+        <p:spPr>
+          <a:xfrm>
+            <a:off x="702853" y="1600200"/>
+            <a:ext cx="7738293" cy="4525963"/>
           </a:xfrm>
         </p:spPr>
       </p:pic>
